--- a/project3/resources/FlowCharts.pptx
+++ b/project3/resources/FlowCharts.pptx
@@ -200,7 +200,7 @@
           <a:p>
             <a:fld id="{329EEA3E-DA66-AA4A-9B9D-A88AE6191996}" type="datetimeFigureOut">
               <a:rPr lang="en-US" smtClean="0"/>
-              <a:t>6/11/18</a:t>
+              <a:t>6/12/18</a:t>
             </a:fld>
             <a:endParaRPr lang="en-US"/>
           </a:p>
@@ -599,7 +599,7 @@
           <a:p>
             <a:fld id="{C6AEE706-7F0A-4847-86C8-D3FDCDB6FCB4}" type="datetimeFigureOut">
               <a:rPr lang="en-US" smtClean="0"/>
-              <a:t>6/11/18</a:t>
+              <a:t>6/12/18</a:t>
             </a:fld>
             <a:endParaRPr lang="en-US"/>
           </a:p>
@@ -769,7 +769,7 @@
           <a:p>
             <a:fld id="{C6AEE706-7F0A-4847-86C8-D3FDCDB6FCB4}" type="datetimeFigureOut">
               <a:rPr lang="en-US" smtClean="0"/>
-              <a:t>6/11/18</a:t>
+              <a:t>6/12/18</a:t>
             </a:fld>
             <a:endParaRPr lang="en-US"/>
           </a:p>
@@ -949,7 +949,7 @@
           <a:p>
             <a:fld id="{C6AEE706-7F0A-4847-86C8-D3FDCDB6FCB4}" type="datetimeFigureOut">
               <a:rPr lang="en-US" smtClean="0"/>
-              <a:t>6/11/18</a:t>
+              <a:t>6/12/18</a:t>
             </a:fld>
             <a:endParaRPr lang="en-US"/>
           </a:p>
@@ -1119,7 +1119,7 @@
           <a:p>
             <a:fld id="{C6AEE706-7F0A-4847-86C8-D3FDCDB6FCB4}" type="datetimeFigureOut">
               <a:rPr lang="en-US" smtClean="0"/>
-              <a:t>6/11/18</a:t>
+              <a:t>6/12/18</a:t>
             </a:fld>
             <a:endParaRPr lang="en-US"/>
           </a:p>
@@ -1365,7 +1365,7 @@
           <a:p>
             <a:fld id="{C6AEE706-7F0A-4847-86C8-D3FDCDB6FCB4}" type="datetimeFigureOut">
               <a:rPr lang="en-US" smtClean="0"/>
-              <a:t>6/11/18</a:t>
+              <a:t>6/12/18</a:t>
             </a:fld>
             <a:endParaRPr lang="en-US"/>
           </a:p>
@@ -1597,7 +1597,7 @@
           <a:p>
             <a:fld id="{C6AEE706-7F0A-4847-86C8-D3FDCDB6FCB4}" type="datetimeFigureOut">
               <a:rPr lang="en-US" smtClean="0"/>
-              <a:t>6/11/18</a:t>
+              <a:t>6/12/18</a:t>
             </a:fld>
             <a:endParaRPr lang="en-US"/>
           </a:p>
@@ -1964,7 +1964,7 @@
           <a:p>
             <a:fld id="{C6AEE706-7F0A-4847-86C8-D3FDCDB6FCB4}" type="datetimeFigureOut">
               <a:rPr lang="en-US" smtClean="0"/>
-              <a:t>6/11/18</a:t>
+              <a:t>6/12/18</a:t>
             </a:fld>
             <a:endParaRPr lang="en-US"/>
           </a:p>
@@ -2082,7 +2082,7 @@
           <a:p>
             <a:fld id="{C6AEE706-7F0A-4847-86C8-D3FDCDB6FCB4}" type="datetimeFigureOut">
               <a:rPr lang="en-US" smtClean="0"/>
-              <a:t>6/11/18</a:t>
+              <a:t>6/12/18</a:t>
             </a:fld>
             <a:endParaRPr lang="en-US"/>
           </a:p>
@@ -2177,7 +2177,7 @@
           <a:p>
             <a:fld id="{C6AEE706-7F0A-4847-86C8-D3FDCDB6FCB4}" type="datetimeFigureOut">
               <a:rPr lang="en-US" smtClean="0"/>
-              <a:t>6/11/18</a:t>
+              <a:t>6/12/18</a:t>
             </a:fld>
             <a:endParaRPr lang="en-US"/>
           </a:p>
@@ -2454,7 +2454,7 @@
           <a:p>
             <a:fld id="{C6AEE706-7F0A-4847-86C8-D3FDCDB6FCB4}" type="datetimeFigureOut">
               <a:rPr lang="en-US" smtClean="0"/>
-              <a:t>6/11/18</a:t>
+              <a:t>6/12/18</a:t>
             </a:fld>
             <a:endParaRPr lang="en-US"/>
           </a:p>
@@ -2707,7 +2707,7 @@
           <a:p>
             <a:fld id="{C6AEE706-7F0A-4847-86C8-D3FDCDB6FCB4}" type="datetimeFigureOut">
               <a:rPr lang="en-US" smtClean="0"/>
-              <a:t>6/11/18</a:t>
+              <a:t>6/12/18</a:t>
             </a:fld>
             <a:endParaRPr lang="en-US"/>
           </a:p>
@@ -2920,7 +2920,7 @@
           <a:p>
             <a:fld id="{C6AEE706-7F0A-4847-86C8-D3FDCDB6FCB4}" type="datetimeFigureOut">
               <a:rPr lang="en-US" smtClean="0"/>
-              <a:t>6/11/18</a:t>
+              <a:t>6/12/18</a:t>
             </a:fld>
             <a:endParaRPr lang="en-US"/>
           </a:p>
@@ -3340,7 +3340,7 @@
           <a:bodyPr/>
           <a:lstStyle/>
           <a:p>
-            <a:endParaRPr lang="en-US"/>
+            <a:endParaRPr lang="en-US" dirty="0"/>
           </a:p>
         </p:txBody>
       </p:sp>
@@ -3359,7 +3359,7 @@
           <a:bodyPr/>
           <a:lstStyle/>
           <a:p>
-            <a:endParaRPr lang="en-US"/>
+            <a:endParaRPr lang="en-US" dirty="0"/>
           </a:p>
         </p:txBody>
       </p:sp>
@@ -3373,6 +3373,13 @@
   <p:clrMapOvr>
     <a:masterClrMapping/>
   </p:clrMapOvr>
+  <p:timing>
+    <p:tnLst>
+      <p:par>
+        <p:cTn id="1" dur="indefinite" restart="never" nodeType="tmRoot"/>
+      </p:par>
+    </p:tnLst>
+  </p:timing>
 </p:sld>
 </file>
 
@@ -3457,7 +3464,7 @@
               <a:lstStyle/>
               <a:p>
                 <a:pPr algn="ctr"/>
-                <a:endParaRPr lang="en-US"/>
+                <a:endParaRPr lang="en-US" dirty="0"/>
               </a:p>
             </p:txBody>
           </p:sp>
@@ -3566,7 +3573,7 @@
               <a:lstStyle/>
               <a:p>
                 <a:pPr algn="ctr"/>
-                <a:endParaRPr lang="en-US"/>
+                <a:endParaRPr lang="en-US" dirty="0"/>
               </a:p>
             </p:txBody>
           </p:sp>
@@ -3763,7 +3770,7 @@
               <a:lstStyle/>
               <a:p>
                 <a:pPr algn="ctr"/>
-                <a:endParaRPr lang="en-US"/>
+                <a:endParaRPr lang="en-US" dirty="0"/>
               </a:p>
             </p:txBody>
           </p:sp>
@@ -3815,23 +3822,7 @@
                 <a:pPr algn="ctr"/>
                 <a:r>
                   <a:rPr lang="en-US" dirty="0" smtClean="0"/>
-                  <a:t>Find </a:t>
-                </a:r>
-                <a:r>
-                  <a:rPr lang="en-US" dirty="0" err="1" smtClean="0"/>
-                  <a:t>dX</a:t>
-                </a:r>
-                <a:r>
-                  <a:rPr lang="en-US" dirty="0" smtClean="0"/>
-                  <a:t>, </a:t>
-                </a:r>
-                <a:r>
-                  <a:rPr lang="en-US" dirty="0" err="1" smtClean="0"/>
-                  <a:t>dY</a:t>
-                </a:r>
-                <a:r>
-                  <a:rPr lang="en-US" dirty="0" smtClean="0"/>
-                  <a:t>, </a:t>
+                  <a:t>Find dX, dY, </a:t>
                 </a:r>
                 <a:endParaRPr lang="en-US" dirty="0"/>
               </a:p>
@@ -3919,11 +3910,7 @@
               <a:pPr algn="ctr"/>
               <a:r>
                 <a:rPr lang="en-US" dirty="0" smtClean="0"/>
-                <a:t>Find </a:t>
-              </a:r>
-              <a:r>
-                <a:rPr lang="en-US" dirty="0" err="1" smtClean="0"/>
-                <a:t>dT</a:t>
+                <a:t>Find dT</a:t>
               </a:r>
               <a:endParaRPr lang="en-US" dirty="0"/>
             </a:p>
@@ -4066,11 +4053,7 @@
               <a:pPr algn="ctr"/>
               <a:r>
                 <a:rPr lang="en-US" dirty="0" smtClean="0"/>
-                <a:t>Solve for </a:t>
-              </a:r>
-              <a:r>
-                <a:rPr lang="en-US" smtClean="0"/>
-                <a:t>[VX, VY] at each pixel with window of size W</a:t>
+                <a:t>Solve for [VX, VY] at each pixel with window of size W</a:t>
               </a:r>
               <a:endParaRPr lang="en-US" dirty="0"/>
             </a:p>
@@ -5177,6 +5160,13 @@
   <p:clrMapOvr>
     <a:masterClrMapping/>
   </p:clrMapOvr>
+  <p:timing>
+    <p:tnLst>
+      <p:par>
+        <p:cTn id="1" dur="indefinite" restart="never" nodeType="tmRoot"/>
+      </p:par>
+    </p:tnLst>
+  </p:timing>
 </p:sld>
 </file>
 
@@ -5214,10 +5204,10 @@
           <a:p>
             <a:pPr algn="ctr"/>
             <a:r>
-              <a:rPr lang="en-US" dirty="0" smtClean="0"/>
+              <a:rPr lang="en-US" smtClean="0"/>
               <a:t>Building Gaussian Pyramid</a:t>
             </a:r>
-            <a:endParaRPr lang="en-US" dirty="0"/>
+            <a:endParaRPr lang="en-US"/>
           </a:p>
         </p:txBody>
       </p:sp>
@@ -5401,10 +5391,10 @@
             <a:p>
               <a:pPr algn="ctr"/>
               <a:r>
-                <a:rPr lang="en-US" dirty="0" smtClean="0"/>
+                <a:rPr lang="en-US" smtClean="0"/>
                 <a:t>Apply Gaussian Blur</a:t>
               </a:r>
-              <a:endParaRPr lang="en-US" dirty="0"/>
+              <a:endParaRPr lang="en-US"/>
             </a:p>
           </p:txBody>
         </p:sp>
@@ -5455,14 +5445,10 @@
             <a:p>
               <a:pPr algn="ctr"/>
               <a:r>
-                <a:rPr lang="en-US" dirty="0" smtClean="0"/>
-                <a:t>Sample every other row/col to </a:t>
+                <a:rPr lang="en-US" smtClean="0"/>
+                <a:t>Sample every other row/col to get ¼ image</a:t>
               </a:r>
-              <a:r>
-                <a:rPr lang="en-US" smtClean="0"/>
-                <a:t>get ¼ image</a:t>
-              </a:r>
-              <a:endParaRPr lang="en-US" dirty="0"/>
+              <a:endParaRPr lang="en-US"/>
             </a:p>
           </p:txBody>
         </p:sp>
@@ -5595,7 +5581,15 @@
               <a:pPr algn="ctr"/>
               <a:r>
                 <a:rPr lang="en-US" sz="1400" dirty="0" smtClean="0"/>
-                <a:t>Repeat as many times as wanted (until image becomes too small)</a:t>
+                <a:t>Repeat as many times as wanted </a:t>
+              </a:r>
+              <a:r>
+                <a:rPr lang="en-US" sz="1400" dirty="0" smtClean="0"/>
+                <a:t>(or until </a:t>
+              </a:r>
+              <a:r>
+                <a:rPr lang="en-US" sz="1400" dirty="0" smtClean="0"/>
+                <a:t>image becomes too small)</a:t>
               </a:r>
               <a:endParaRPr lang="en-US" sz="1400" dirty="0"/>
             </a:p>
@@ -5612,6 +5606,13 @@
   <p:clrMapOvr>
     <a:masterClrMapping/>
   </p:clrMapOvr>
+  <p:timing>
+    <p:tnLst>
+      <p:par>
+        <p:cTn id="1" dur="indefinite" restart="never" nodeType="tmRoot"/>
+      </p:par>
+    </p:tnLst>
+  </p:timing>
 </p:sld>
 </file>
 
@@ -5649,18 +5650,18 @@
           <a:p>
             <a:pPr algn="ctr"/>
             <a:r>
-              <a:rPr lang="en-US" dirty="0" smtClean="0"/>
+              <a:rPr lang="en-US" smtClean="0"/>
               <a:t>Lucas-</a:t>
             </a:r>
             <a:r>
-              <a:rPr lang="en-US" dirty="0" err="1" smtClean="0"/>
+              <a:rPr lang="en-US" err="1" smtClean="0"/>
               <a:t>Kanade</a:t>
             </a:r>
             <a:r>
-              <a:rPr lang="en-US" dirty="0" smtClean="0"/>
+              <a:rPr lang="en-US" smtClean="0"/>
               <a:t> with Gaussian Pyramid</a:t>
             </a:r>
-            <a:endParaRPr lang="en-US" dirty="0"/>
+            <a:endParaRPr lang="en-US"/>
           </a:p>
         </p:txBody>
       </p:sp>
@@ -5769,10 +5770,10 @@
               <a:p>
                 <a:pPr algn="ctr"/>
                 <a:r>
-                  <a:rPr lang="en-US" dirty="0" smtClean="0"/>
+                  <a:rPr lang="en-US" smtClean="0"/>
                   <a:t>RGB Images</a:t>
                 </a:r>
-                <a:endParaRPr lang="en-US" dirty="0"/>
+                <a:endParaRPr lang="en-US"/>
               </a:p>
             </p:txBody>
           </p:sp>
@@ -5888,10 +5889,10 @@
               <a:p>
                 <a:pPr algn="ctr"/>
                 <a:r>
-                  <a:rPr lang="en-US" dirty="0" smtClean="0"/>
+                  <a:rPr lang="en-US" smtClean="0"/>
                   <a:t>Gray Scale Images</a:t>
                 </a:r>
-                <a:endParaRPr lang="en-US" dirty="0"/>
+                <a:endParaRPr lang="en-US"/>
               </a:p>
             </p:txBody>
           </p:sp>
@@ -5966,10 +5967,10 @@
               <a:lstStyle/>
               <a:p>
                 <a:r>
-                  <a:rPr lang="en-US" dirty="0" smtClean="0"/>
+                  <a:rPr lang="en-US" smtClean="0"/>
                   <a:t>RGB2Gray</a:t>
                 </a:r>
-                <a:endParaRPr lang="en-US" dirty="0"/>
+                <a:endParaRPr lang="en-US"/>
               </a:p>
             </p:txBody>
           </p:sp>
@@ -6118,10 +6119,10 @@
               <a:p>
                 <a:pPr algn="ctr"/>
                 <a:r>
-                  <a:rPr lang="en-US" dirty="0" smtClean="0"/>
+                  <a:rPr lang="en-US" smtClean="0"/>
                   <a:t>Build Pyramid</a:t>
                 </a:r>
-                <a:endParaRPr lang="en-US" dirty="0"/>
+                <a:endParaRPr lang="en-US"/>
               </a:p>
             </p:txBody>
           </p:sp>
@@ -6173,10 +6174,10 @@
             <a:p>
               <a:pPr algn="ctr"/>
               <a:r>
-                <a:rPr lang="en-US" dirty="0" smtClean="0"/>
+                <a:rPr lang="en-US" smtClean="0"/>
                 <a:t>Find OF of top (smallest) level</a:t>
               </a:r>
-              <a:endParaRPr lang="en-US" dirty="0"/>
+              <a:endParaRPr lang="en-US"/>
             </a:p>
           </p:txBody>
         </p:sp>
@@ -6260,10 +6261,10 @@
             <a:p>
               <a:pPr algn="ctr"/>
               <a:r>
-                <a:rPr lang="en-US" dirty="0" smtClean="0"/>
+                <a:rPr lang="en-US" smtClean="0"/>
                 <a:t>Interpolate OF down (to next pyramid level); Multiply magnitude by 4</a:t>
               </a:r>
-              <a:endParaRPr lang="en-US" dirty="0"/>
+              <a:endParaRPr lang="en-US"/>
             </a:p>
           </p:txBody>
         </p:sp>
@@ -6386,16 +6387,8 @@
             <a:p>
               <a:pPr algn="ctr"/>
               <a:r>
-                <a:rPr lang="en-US" dirty="0" smtClean="0"/>
-                <a:t>Calculate </a:t>
-              </a:r>
-              <a:r>
-                <a:rPr lang="en-US" dirty="0" err="1" smtClean="0"/>
-                <a:t>dT</a:t>
-              </a:r>
-              <a:r>
-                <a:rPr lang="en-US" dirty="0" smtClean="0"/>
-                <a:t> of new level using OF</a:t>
+                <a:rPr lang="en-US" dirty="0"/>
+                <a:t>Calculate OF of new level</a:t>
               </a:r>
               <a:endParaRPr lang="en-US" dirty="0"/>
             </a:p>
@@ -6449,7 +6442,7 @@
               <a:pPr algn="ctr"/>
               <a:r>
                 <a:rPr lang="en-US" dirty="0" smtClean="0"/>
-                <a:t>Calculate OF of new level</a:t>
+                <a:t>Take Max OF</a:t>
               </a:r>
               <a:endParaRPr lang="en-US" dirty="0"/>
             </a:p>
@@ -6551,10 +6544,10 @@
             <a:p>
               <a:pPr algn="ctr"/>
               <a:r>
-                <a:rPr lang="en-US" dirty="0" smtClean="0"/>
+                <a:rPr lang="en-US" smtClean="0"/>
                 <a:t>Repeat until at desired level</a:t>
               </a:r>
-              <a:endParaRPr lang="en-US" dirty="0"/>
+              <a:endParaRPr lang="en-US"/>
             </a:p>
           </p:txBody>
         </p:sp>
@@ -6569,6 +6562,13 @@
   <p:clrMapOvr>
     <a:masterClrMapping/>
   </p:clrMapOvr>
+  <p:timing>
+    <p:tnLst>
+      <p:par>
+        <p:cTn id="1" dur="indefinite" restart="never" nodeType="tmRoot"/>
+      </p:par>
+    </p:tnLst>
+  </p:timing>
 </p:sld>
 </file>
 

--- a/project3/resources/FlowCharts.pptx
+++ b/project3/resources/FlowCharts.pptx
@@ -5,13 +5,14 @@
     <p:sldMasterId id="2147483648" r:id="rId1"/>
   </p:sldMasterIdLst>
   <p:notesMasterIdLst>
-    <p:notesMasterId r:id="rId6"/>
+    <p:notesMasterId r:id="rId7"/>
   </p:notesMasterIdLst>
   <p:sldIdLst>
     <p:sldId id="256" r:id="rId2"/>
     <p:sldId id="257" r:id="rId3"/>
     <p:sldId id="258" r:id="rId4"/>
-    <p:sldId id="259" r:id="rId5"/>
+    <p:sldId id="260" r:id="rId5"/>
+    <p:sldId id="259" r:id="rId6"/>
   </p:sldIdLst>
   <p:sldSz cx="12192000" cy="6858000"/>
   <p:notesSz cx="6858000" cy="9144000"/>
@@ -200,7 +201,7 @@
           <a:p>
             <a:fld id="{329EEA3E-DA66-AA4A-9B9D-A88AE6191996}" type="datetimeFigureOut">
               <a:rPr lang="en-US" smtClean="0"/>
-              <a:t>6/12/18</a:t>
+              <a:t>6/13/18</a:t>
             </a:fld>
             <a:endParaRPr lang="en-US"/>
           </a:p>
@@ -599,7 +600,7 @@
           <a:p>
             <a:fld id="{C6AEE706-7F0A-4847-86C8-D3FDCDB6FCB4}" type="datetimeFigureOut">
               <a:rPr lang="en-US" smtClean="0"/>
-              <a:t>6/12/18</a:t>
+              <a:t>6/13/18</a:t>
             </a:fld>
             <a:endParaRPr lang="en-US"/>
           </a:p>
@@ -769,7 +770,7 @@
           <a:p>
             <a:fld id="{C6AEE706-7F0A-4847-86C8-D3FDCDB6FCB4}" type="datetimeFigureOut">
               <a:rPr lang="en-US" smtClean="0"/>
-              <a:t>6/12/18</a:t>
+              <a:t>6/13/18</a:t>
             </a:fld>
             <a:endParaRPr lang="en-US"/>
           </a:p>
@@ -949,7 +950,7 @@
           <a:p>
             <a:fld id="{C6AEE706-7F0A-4847-86C8-D3FDCDB6FCB4}" type="datetimeFigureOut">
               <a:rPr lang="en-US" smtClean="0"/>
-              <a:t>6/12/18</a:t>
+              <a:t>6/13/18</a:t>
             </a:fld>
             <a:endParaRPr lang="en-US"/>
           </a:p>
@@ -1119,7 +1120,7 @@
           <a:p>
             <a:fld id="{C6AEE706-7F0A-4847-86C8-D3FDCDB6FCB4}" type="datetimeFigureOut">
               <a:rPr lang="en-US" smtClean="0"/>
-              <a:t>6/12/18</a:t>
+              <a:t>6/13/18</a:t>
             </a:fld>
             <a:endParaRPr lang="en-US"/>
           </a:p>
@@ -1365,7 +1366,7 @@
           <a:p>
             <a:fld id="{C6AEE706-7F0A-4847-86C8-D3FDCDB6FCB4}" type="datetimeFigureOut">
               <a:rPr lang="en-US" smtClean="0"/>
-              <a:t>6/12/18</a:t>
+              <a:t>6/13/18</a:t>
             </a:fld>
             <a:endParaRPr lang="en-US"/>
           </a:p>
@@ -1597,7 +1598,7 @@
           <a:p>
             <a:fld id="{C6AEE706-7F0A-4847-86C8-D3FDCDB6FCB4}" type="datetimeFigureOut">
               <a:rPr lang="en-US" smtClean="0"/>
-              <a:t>6/12/18</a:t>
+              <a:t>6/13/18</a:t>
             </a:fld>
             <a:endParaRPr lang="en-US"/>
           </a:p>
@@ -1964,7 +1965,7 @@
           <a:p>
             <a:fld id="{C6AEE706-7F0A-4847-86C8-D3FDCDB6FCB4}" type="datetimeFigureOut">
               <a:rPr lang="en-US" smtClean="0"/>
-              <a:t>6/12/18</a:t>
+              <a:t>6/13/18</a:t>
             </a:fld>
             <a:endParaRPr lang="en-US"/>
           </a:p>
@@ -2082,7 +2083,7 @@
           <a:p>
             <a:fld id="{C6AEE706-7F0A-4847-86C8-D3FDCDB6FCB4}" type="datetimeFigureOut">
               <a:rPr lang="en-US" smtClean="0"/>
-              <a:t>6/12/18</a:t>
+              <a:t>6/13/18</a:t>
             </a:fld>
             <a:endParaRPr lang="en-US"/>
           </a:p>
@@ -2177,7 +2178,7 @@
           <a:p>
             <a:fld id="{C6AEE706-7F0A-4847-86C8-D3FDCDB6FCB4}" type="datetimeFigureOut">
               <a:rPr lang="en-US" smtClean="0"/>
-              <a:t>6/12/18</a:t>
+              <a:t>6/13/18</a:t>
             </a:fld>
             <a:endParaRPr lang="en-US"/>
           </a:p>
@@ -2454,7 +2455,7 @@
           <a:p>
             <a:fld id="{C6AEE706-7F0A-4847-86C8-D3FDCDB6FCB4}" type="datetimeFigureOut">
               <a:rPr lang="en-US" smtClean="0"/>
-              <a:t>6/12/18</a:t>
+              <a:t>6/13/18</a:t>
             </a:fld>
             <a:endParaRPr lang="en-US"/>
           </a:p>
@@ -2707,7 +2708,7 @@
           <a:p>
             <a:fld id="{C6AEE706-7F0A-4847-86C8-D3FDCDB6FCB4}" type="datetimeFigureOut">
               <a:rPr lang="en-US" smtClean="0"/>
-              <a:t>6/12/18</a:t>
+              <a:t>6/13/18</a:t>
             </a:fld>
             <a:endParaRPr lang="en-US"/>
           </a:p>
@@ -2920,7 +2921,7 @@
           <a:p>
             <a:fld id="{C6AEE706-7F0A-4847-86C8-D3FDCDB6FCB4}" type="datetimeFigureOut">
               <a:rPr lang="en-US" smtClean="0"/>
-              <a:t>6/12/18</a:t>
+              <a:t>6/13/18</a:t>
             </a:fld>
             <a:endParaRPr lang="en-US"/>
           </a:p>
@@ -5581,15 +5582,7 @@
               <a:pPr algn="ctr"/>
               <a:r>
                 <a:rPr lang="en-US" sz="1400" dirty="0" smtClean="0"/>
-                <a:t>Repeat as many times as wanted </a:t>
-              </a:r>
-              <a:r>
-                <a:rPr lang="en-US" sz="1400" dirty="0" smtClean="0"/>
-                <a:t>(or until </a:t>
-              </a:r>
-              <a:r>
-                <a:rPr lang="en-US" sz="1400" dirty="0" smtClean="0"/>
-                <a:t>image becomes too small)</a:t>
+                <a:t>Repeat as many times as wanted (or until image becomes too small)</a:t>
               </a:r>
               <a:endParaRPr lang="en-US" sz="1400" dirty="0"/>
             </a:p>
@@ -5617,6 +5610,1044 @@
 </file>
 
 <file path=ppt/slides/slide4.xml><?xml version="1.0" encoding="utf-8"?>
+<p:sld xmlns:a="http://schemas.openxmlformats.org/drawingml/2006/main" xmlns:r="http://schemas.openxmlformats.org/officeDocument/2006/relationships" xmlns:p="http://schemas.openxmlformats.org/presentationml/2006/main">
+  <p:cSld>
+    <p:spTree>
+      <p:nvGrpSpPr>
+        <p:cNvPr id="1" name=""/>
+        <p:cNvGrpSpPr/>
+        <p:nvPr/>
+      </p:nvGrpSpPr>
+      <p:grpSpPr>
+        <a:xfrm>
+          <a:off x="0" y="0"/>
+          <a:ext cx="0" cy="0"/>
+          <a:chOff x="0" y="0"/>
+          <a:chExt cx="0" cy="0"/>
+        </a:xfrm>
+      </p:grpSpPr>
+      <p:sp>
+        <p:nvSpPr>
+          <p:cNvPr id="2" name="Title 1"/>
+          <p:cNvSpPr>
+            <a:spLocks noGrp="1"/>
+          </p:cNvSpPr>
+          <p:nvPr>
+            <p:ph type="title"/>
+          </p:nvPr>
+        </p:nvSpPr>
+        <p:spPr/>
+        <p:txBody>
+          <a:bodyPr/>
+          <a:lstStyle/>
+          <a:p>
+            <a:pPr algn="ctr"/>
+            <a:r>
+              <a:rPr lang="en-US" dirty="0" smtClean="0"/>
+              <a:t>Scaling a Gaussian Pyramid</a:t>
+            </a:r>
+            <a:endParaRPr lang="en-US" dirty="0"/>
+          </a:p>
+        </p:txBody>
+      </p:sp>
+      <p:grpSp>
+        <p:nvGrpSpPr>
+          <p:cNvPr id="23" name="Group 22"/>
+          <p:cNvGrpSpPr/>
+          <p:nvPr/>
+        </p:nvGrpSpPr>
+        <p:grpSpPr>
+          <a:xfrm>
+            <a:off x="1106129" y="2566219"/>
+            <a:ext cx="2032817" cy="1726457"/>
+            <a:chOff x="1106129" y="2566219"/>
+            <a:chExt cx="2032817" cy="1726457"/>
+          </a:xfrm>
+        </p:grpSpPr>
+        <p:sp>
+          <p:nvSpPr>
+            <p:cNvPr id="3" name="Rectangle 2"/>
+            <p:cNvSpPr/>
+            <p:nvPr/>
+          </p:nvSpPr>
+          <p:spPr>
+            <a:xfrm>
+              <a:off x="1106129" y="2566219"/>
+              <a:ext cx="870154" cy="801789"/>
+            </a:xfrm>
+            <a:prstGeom prst="rect">
+              <a:avLst/>
+            </a:prstGeom>
+          </p:spPr>
+          <p:style>
+            <a:lnRef idx="2">
+              <a:schemeClr val="accent1">
+                <a:shade val="50000"/>
+              </a:schemeClr>
+            </a:lnRef>
+            <a:fillRef idx="1">
+              <a:schemeClr val="accent1"/>
+            </a:fillRef>
+            <a:effectRef idx="0">
+              <a:schemeClr val="accent1"/>
+            </a:effectRef>
+            <a:fontRef idx="minor">
+              <a:schemeClr val="lt1"/>
+            </a:fontRef>
+          </p:style>
+          <p:txBody>
+            <a:bodyPr rtlCol="0" anchor="ctr"/>
+            <a:lstStyle/>
+            <a:p>
+              <a:pPr algn="ctr"/>
+              <a:r>
+                <a:rPr lang="en-US" dirty="0" smtClean="0"/>
+                <a:t>1</a:t>
+              </a:r>
+              <a:endParaRPr lang="en-US" dirty="0"/>
+            </a:p>
+          </p:txBody>
+        </p:sp>
+        <p:sp>
+          <p:nvSpPr>
+            <p:cNvPr id="4" name="Rectangle 3"/>
+            <p:cNvSpPr/>
+            <p:nvPr/>
+          </p:nvSpPr>
+          <p:spPr>
+            <a:xfrm>
+              <a:off x="2268792" y="2566219"/>
+              <a:ext cx="870154" cy="801789"/>
+            </a:xfrm>
+            <a:prstGeom prst="rect">
+              <a:avLst/>
+            </a:prstGeom>
+          </p:spPr>
+          <p:style>
+            <a:lnRef idx="2">
+              <a:schemeClr val="accent1">
+                <a:shade val="50000"/>
+              </a:schemeClr>
+            </a:lnRef>
+            <a:fillRef idx="1">
+              <a:schemeClr val="accent1"/>
+            </a:fillRef>
+            <a:effectRef idx="0">
+              <a:schemeClr val="accent1"/>
+            </a:effectRef>
+            <a:fontRef idx="minor">
+              <a:schemeClr val="lt1"/>
+            </a:fontRef>
+          </p:style>
+          <p:txBody>
+            <a:bodyPr rtlCol="0" anchor="ctr"/>
+            <a:lstStyle/>
+            <a:p>
+              <a:pPr algn="ctr"/>
+              <a:r>
+                <a:rPr lang="en-US" dirty="0" smtClean="0"/>
+                <a:t>2</a:t>
+              </a:r>
+              <a:endParaRPr lang="en-US" dirty="0"/>
+            </a:p>
+          </p:txBody>
+        </p:sp>
+        <p:sp>
+          <p:nvSpPr>
+            <p:cNvPr id="5" name="Rectangle 4"/>
+            <p:cNvSpPr/>
+            <p:nvPr/>
+          </p:nvSpPr>
+          <p:spPr>
+            <a:xfrm>
+              <a:off x="1106129" y="3490887"/>
+              <a:ext cx="870154" cy="801789"/>
+            </a:xfrm>
+            <a:prstGeom prst="rect">
+              <a:avLst/>
+            </a:prstGeom>
+          </p:spPr>
+          <p:style>
+            <a:lnRef idx="2">
+              <a:schemeClr val="accent1">
+                <a:shade val="50000"/>
+              </a:schemeClr>
+            </a:lnRef>
+            <a:fillRef idx="1">
+              <a:schemeClr val="accent1"/>
+            </a:fillRef>
+            <a:effectRef idx="0">
+              <a:schemeClr val="accent1"/>
+            </a:effectRef>
+            <a:fontRef idx="minor">
+              <a:schemeClr val="lt1"/>
+            </a:fontRef>
+          </p:style>
+          <p:txBody>
+            <a:bodyPr rtlCol="0" anchor="ctr"/>
+            <a:lstStyle/>
+            <a:p>
+              <a:pPr algn="ctr"/>
+              <a:r>
+                <a:rPr lang="en-US" dirty="0" smtClean="0"/>
+                <a:t>3</a:t>
+              </a:r>
+              <a:endParaRPr lang="en-US" dirty="0"/>
+            </a:p>
+          </p:txBody>
+        </p:sp>
+        <p:sp>
+          <p:nvSpPr>
+            <p:cNvPr id="6" name="Rectangle 5"/>
+            <p:cNvSpPr/>
+            <p:nvPr/>
+          </p:nvSpPr>
+          <p:spPr>
+            <a:xfrm>
+              <a:off x="2268792" y="3490887"/>
+              <a:ext cx="870154" cy="801789"/>
+            </a:xfrm>
+            <a:prstGeom prst="rect">
+              <a:avLst/>
+            </a:prstGeom>
+          </p:spPr>
+          <p:style>
+            <a:lnRef idx="2">
+              <a:schemeClr val="accent1">
+                <a:shade val="50000"/>
+              </a:schemeClr>
+            </a:lnRef>
+            <a:fillRef idx="1">
+              <a:schemeClr val="accent1"/>
+            </a:fillRef>
+            <a:effectRef idx="0">
+              <a:schemeClr val="accent1"/>
+            </a:effectRef>
+            <a:fontRef idx="minor">
+              <a:schemeClr val="lt1"/>
+            </a:fontRef>
+          </p:style>
+          <p:txBody>
+            <a:bodyPr rtlCol="0" anchor="ctr"/>
+            <a:lstStyle/>
+            <a:p>
+              <a:pPr algn="ctr"/>
+              <a:r>
+                <a:rPr lang="en-US" dirty="0" smtClean="0"/>
+                <a:t>4</a:t>
+              </a:r>
+              <a:endParaRPr lang="en-US" dirty="0"/>
+            </a:p>
+          </p:txBody>
+        </p:sp>
+      </p:grpSp>
+      <p:grpSp>
+        <p:nvGrpSpPr>
+          <p:cNvPr id="24" name="Group 23"/>
+          <p:cNvGrpSpPr/>
+          <p:nvPr/>
+        </p:nvGrpSpPr>
+        <p:grpSpPr>
+          <a:xfrm>
+            <a:off x="5653550" y="1609572"/>
+            <a:ext cx="4387640" cy="3688890"/>
+            <a:chOff x="5771537" y="1454714"/>
+            <a:chExt cx="4387640" cy="3688890"/>
+          </a:xfrm>
+        </p:grpSpPr>
+        <p:sp>
+          <p:nvSpPr>
+            <p:cNvPr id="7" name="Rectangle 6"/>
+            <p:cNvSpPr/>
+            <p:nvPr/>
+          </p:nvSpPr>
+          <p:spPr>
+            <a:xfrm>
+              <a:off x="5771537" y="1454714"/>
+              <a:ext cx="870154" cy="801789"/>
+            </a:xfrm>
+            <a:prstGeom prst="rect">
+              <a:avLst/>
+            </a:prstGeom>
+          </p:spPr>
+          <p:style>
+            <a:lnRef idx="2">
+              <a:schemeClr val="accent1">
+                <a:shade val="50000"/>
+              </a:schemeClr>
+            </a:lnRef>
+            <a:fillRef idx="1">
+              <a:schemeClr val="accent1"/>
+            </a:fillRef>
+            <a:effectRef idx="0">
+              <a:schemeClr val="accent1"/>
+            </a:effectRef>
+            <a:fontRef idx="minor">
+              <a:schemeClr val="lt1"/>
+            </a:fontRef>
+          </p:style>
+          <p:txBody>
+            <a:bodyPr rtlCol="0" anchor="ctr"/>
+            <a:lstStyle/>
+            <a:p>
+              <a:pPr algn="ctr"/>
+              <a:endParaRPr lang="en-US"/>
+            </a:p>
+          </p:txBody>
+        </p:sp>
+        <p:sp>
+          <p:nvSpPr>
+            <p:cNvPr id="8" name="Rectangle 7"/>
+            <p:cNvSpPr/>
+            <p:nvPr/>
+          </p:nvSpPr>
+          <p:spPr>
+            <a:xfrm>
+              <a:off x="6934200" y="1454714"/>
+              <a:ext cx="870154" cy="801789"/>
+            </a:xfrm>
+            <a:prstGeom prst="rect">
+              <a:avLst/>
+            </a:prstGeom>
+          </p:spPr>
+          <p:style>
+            <a:lnRef idx="2">
+              <a:schemeClr val="accent1">
+                <a:shade val="50000"/>
+              </a:schemeClr>
+            </a:lnRef>
+            <a:fillRef idx="1">
+              <a:schemeClr val="accent1"/>
+            </a:fillRef>
+            <a:effectRef idx="0">
+              <a:schemeClr val="accent1"/>
+            </a:effectRef>
+            <a:fontRef idx="minor">
+              <a:schemeClr val="lt1"/>
+            </a:fontRef>
+          </p:style>
+          <p:txBody>
+            <a:bodyPr rtlCol="0" anchor="ctr"/>
+            <a:lstStyle/>
+            <a:p>
+              <a:pPr algn="ctr"/>
+              <a:r>
+                <a:rPr lang="en-US" dirty="0" smtClean="0"/>
+                <a:t>1</a:t>
+              </a:r>
+              <a:endParaRPr lang="en-US" dirty="0"/>
+            </a:p>
+          </p:txBody>
+        </p:sp>
+        <p:sp>
+          <p:nvSpPr>
+            <p:cNvPr id="9" name="Rectangle 8"/>
+            <p:cNvSpPr/>
+            <p:nvPr/>
+          </p:nvSpPr>
+          <p:spPr>
+            <a:xfrm>
+              <a:off x="5771537" y="2379382"/>
+              <a:ext cx="870154" cy="801789"/>
+            </a:xfrm>
+            <a:prstGeom prst="rect">
+              <a:avLst/>
+            </a:prstGeom>
+          </p:spPr>
+          <p:style>
+            <a:lnRef idx="2">
+              <a:schemeClr val="accent1">
+                <a:shade val="50000"/>
+              </a:schemeClr>
+            </a:lnRef>
+            <a:fillRef idx="1">
+              <a:schemeClr val="accent1"/>
+            </a:fillRef>
+            <a:effectRef idx="0">
+              <a:schemeClr val="accent1"/>
+            </a:effectRef>
+            <a:fontRef idx="minor">
+              <a:schemeClr val="lt1"/>
+            </a:fontRef>
+          </p:style>
+          <p:txBody>
+            <a:bodyPr rtlCol="0" anchor="ctr"/>
+            <a:lstStyle/>
+            <a:p>
+              <a:pPr algn="ctr"/>
+              <a:endParaRPr lang="en-US"/>
+            </a:p>
+          </p:txBody>
+        </p:sp>
+        <p:sp>
+          <p:nvSpPr>
+            <p:cNvPr id="10" name="Rectangle 9"/>
+            <p:cNvSpPr/>
+            <p:nvPr/>
+          </p:nvSpPr>
+          <p:spPr>
+            <a:xfrm>
+              <a:off x="6934200" y="2379382"/>
+              <a:ext cx="870154" cy="801789"/>
+            </a:xfrm>
+            <a:prstGeom prst="rect">
+              <a:avLst/>
+            </a:prstGeom>
+          </p:spPr>
+          <p:style>
+            <a:lnRef idx="2">
+              <a:schemeClr val="accent1">
+                <a:shade val="50000"/>
+              </a:schemeClr>
+            </a:lnRef>
+            <a:fillRef idx="1">
+              <a:schemeClr val="accent1"/>
+            </a:fillRef>
+            <a:effectRef idx="0">
+              <a:schemeClr val="accent1"/>
+            </a:effectRef>
+            <a:fontRef idx="minor">
+              <a:schemeClr val="lt1"/>
+            </a:fontRef>
+          </p:style>
+          <p:txBody>
+            <a:bodyPr rtlCol="0" anchor="ctr"/>
+            <a:lstStyle/>
+            <a:p>
+              <a:pPr algn="ctr"/>
+              <a:endParaRPr lang="en-US"/>
+            </a:p>
+          </p:txBody>
+        </p:sp>
+        <p:sp>
+          <p:nvSpPr>
+            <p:cNvPr id="11" name="Rectangle 10"/>
+            <p:cNvSpPr/>
+            <p:nvPr/>
+          </p:nvSpPr>
+          <p:spPr>
+            <a:xfrm>
+              <a:off x="8126360" y="1454714"/>
+              <a:ext cx="870154" cy="801789"/>
+            </a:xfrm>
+            <a:prstGeom prst="rect">
+              <a:avLst/>
+            </a:prstGeom>
+          </p:spPr>
+          <p:style>
+            <a:lnRef idx="2">
+              <a:schemeClr val="accent1">
+                <a:shade val="50000"/>
+              </a:schemeClr>
+            </a:lnRef>
+            <a:fillRef idx="1">
+              <a:schemeClr val="accent1"/>
+            </a:fillRef>
+            <a:effectRef idx="0">
+              <a:schemeClr val="accent1"/>
+            </a:effectRef>
+            <a:fontRef idx="minor">
+              <a:schemeClr val="lt1"/>
+            </a:fontRef>
+          </p:style>
+          <p:txBody>
+            <a:bodyPr rtlCol="0" anchor="ctr"/>
+            <a:lstStyle/>
+            <a:p>
+              <a:pPr algn="ctr"/>
+              <a:endParaRPr lang="en-US"/>
+            </a:p>
+          </p:txBody>
+        </p:sp>
+        <p:sp>
+          <p:nvSpPr>
+            <p:cNvPr id="12" name="Rectangle 11"/>
+            <p:cNvSpPr/>
+            <p:nvPr/>
+          </p:nvSpPr>
+          <p:spPr>
+            <a:xfrm>
+              <a:off x="9289023" y="1454714"/>
+              <a:ext cx="870154" cy="801789"/>
+            </a:xfrm>
+            <a:prstGeom prst="rect">
+              <a:avLst/>
+            </a:prstGeom>
+          </p:spPr>
+          <p:style>
+            <a:lnRef idx="2">
+              <a:schemeClr val="accent1">
+                <a:shade val="50000"/>
+              </a:schemeClr>
+            </a:lnRef>
+            <a:fillRef idx="1">
+              <a:schemeClr val="accent1"/>
+            </a:fillRef>
+            <a:effectRef idx="0">
+              <a:schemeClr val="accent1"/>
+            </a:effectRef>
+            <a:fontRef idx="minor">
+              <a:schemeClr val="lt1"/>
+            </a:fontRef>
+          </p:style>
+          <p:txBody>
+            <a:bodyPr rtlCol="0" anchor="ctr"/>
+            <a:lstStyle/>
+            <a:p>
+              <a:pPr algn="ctr"/>
+              <a:r>
+                <a:rPr lang="en-US" dirty="0"/>
+                <a:t>2</a:t>
+              </a:r>
+            </a:p>
+          </p:txBody>
+        </p:sp>
+        <p:sp>
+          <p:nvSpPr>
+            <p:cNvPr id="13" name="Rectangle 12"/>
+            <p:cNvSpPr/>
+            <p:nvPr/>
+          </p:nvSpPr>
+          <p:spPr>
+            <a:xfrm>
+              <a:off x="8126360" y="2379382"/>
+              <a:ext cx="870154" cy="801789"/>
+            </a:xfrm>
+            <a:prstGeom prst="rect">
+              <a:avLst/>
+            </a:prstGeom>
+          </p:spPr>
+          <p:style>
+            <a:lnRef idx="2">
+              <a:schemeClr val="accent1">
+                <a:shade val="50000"/>
+              </a:schemeClr>
+            </a:lnRef>
+            <a:fillRef idx="1">
+              <a:schemeClr val="accent1"/>
+            </a:fillRef>
+            <a:effectRef idx="0">
+              <a:schemeClr val="accent1"/>
+            </a:effectRef>
+            <a:fontRef idx="minor">
+              <a:schemeClr val="lt1"/>
+            </a:fontRef>
+          </p:style>
+          <p:txBody>
+            <a:bodyPr rtlCol="0" anchor="ctr"/>
+            <a:lstStyle/>
+            <a:p>
+              <a:pPr algn="ctr"/>
+              <a:endParaRPr lang="en-US"/>
+            </a:p>
+          </p:txBody>
+        </p:sp>
+        <p:sp>
+          <p:nvSpPr>
+            <p:cNvPr id="14" name="Rectangle 13"/>
+            <p:cNvSpPr/>
+            <p:nvPr/>
+          </p:nvSpPr>
+          <p:spPr>
+            <a:xfrm>
+              <a:off x="9289023" y="2379382"/>
+              <a:ext cx="870154" cy="801789"/>
+            </a:xfrm>
+            <a:prstGeom prst="rect">
+              <a:avLst/>
+            </a:prstGeom>
+          </p:spPr>
+          <p:style>
+            <a:lnRef idx="2">
+              <a:schemeClr val="accent1">
+                <a:shade val="50000"/>
+              </a:schemeClr>
+            </a:lnRef>
+            <a:fillRef idx="1">
+              <a:schemeClr val="accent1"/>
+            </a:fillRef>
+            <a:effectRef idx="0">
+              <a:schemeClr val="accent1"/>
+            </a:effectRef>
+            <a:fontRef idx="minor">
+              <a:schemeClr val="lt1"/>
+            </a:fontRef>
+          </p:style>
+          <p:txBody>
+            <a:bodyPr rtlCol="0" anchor="ctr"/>
+            <a:lstStyle/>
+            <a:p>
+              <a:pPr algn="ctr"/>
+              <a:endParaRPr lang="en-US"/>
+            </a:p>
+          </p:txBody>
+        </p:sp>
+        <p:sp>
+          <p:nvSpPr>
+            <p:cNvPr id="15" name="Rectangle 14"/>
+            <p:cNvSpPr/>
+            <p:nvPr/>
+          </p:nvSpPr>
+          <p:spPr>
+            <a:xfrm>
+              <a:off x="5771537" y="3417147"/>
+              <a:ext cx="870154" cy="801789"/>
+            </a:xfrm>
+            <a:prstGeom prst="rect">
+              <a:avLst/>
+            </a:prstGeom>
+          </p:spPr>
+          <p:style>
+            <a:lnRef idx="2">
+              <a:schemeClr val="accent1">
+                <a:shade val="50000"/>
+              </a:schemeClr>
+            </a:lnRef>
+            <a:fillRef idx="1">
+              <a:schemeClr val="accent1"/>
+            </a:fillRef>
+            <a:effectRef idx="0">
+              <a:schemeClr val="accent1"/>
+            </a:effectRef>
+            <a:fontRef idx="minor">
+              <a:schemeClr val="lt1"/>
+            </a:fontRef>
+          </p:style>
+          <p:txBody>
+            <a:bodyPr rtlCol="0" anchor="ctr"/>
+            <a:lstStyle/>
+            <a:p>
+              <a:pPr algn="ctr"/>
+              <a:endParaRPr lang="en-US"/>
+            </a:p>
+          </p:txBody>
+        </p:sp>
+        <p:sp>
+          <p:nvSpPr>
+            <p:cNvPr id="16" name="Rectangle 15"/>
+            <p:cNvSpPr/>
+            <p:nvPr/>
+          </p:nvSpPr>
+          <p:spPr>
+            <a:xfrm>
+              <a:off x="6934200" y="3417147"/>
+              <a:ext cx="870154" cy="801789"/>
+            </a:xfrm>
+            <a:prstGeom prst="rect">
+              <a:avLst/>
+            </a:prstGeom>
+          </p:spPr>
+          <p:style>
+            <a:lnRef idx="2">
+              <a:schemeClr val="accent1">
+                <a:shade val="50000"/>
+              </a:schemeClr>
+            </a:lnRef>
+            <a:fillRef idx="1">
+              <a:schemeClr val="accent1"/>
+            </a:fillRef>
+            <a:effectRef idx="0">
+              <a:schemeClr val="accent1"/>
+            </a:effectRef>
+            <a:fontRef idx="minor">
+              <a:schemeClr val="lt1"/>
+            </a:fontRef>
+          </p:style>
+          <p:txBody>
+            <a:bodyPr rtlCol="0" anchor="ctr"/>
+            <a:lstStyle/>
+            <a:p>
+              <a:pPr algn="ctr"/>
+              <a:r>
+                <a:rPr lang="en-US" dirty="0" smtClean="0"/>
+                <a:t>3</a:t>
+              </a:r>
+              <a:endParaRPr lang="en-US" dirty="0"/>
+            </a:p>
+          </p:txBody>
+        </p:sp>
+        <p:sp>
+          <p:nvSpPr>
+            <p:cNvPr id="17" name="Rectangle 16"/>
+            <p:cNvSpPr/>
+            <p:nvPr/>
+          </p:nvSpPr>
+          <p:spPr>
+            <a:xfrm>
+              <a:off x="5771537" y="4341815"/>
+              <a:ext cx="870154" cy="801789"/>
+            </a:xfrm>
+            <a:prstGeom prst="rect">
+              <a:avLst/>
+            </a:prstGeom>
+          </p:spPr>
+          <p:style>
+            <a:lnRef idx="2">
+              <a:schemeClr val="accent1">
+                <a:shade val="50000"/>
+              </a:schemeClr>
+            </a:lnRef>
+            <a:fillRef idx="1">
+              <a:schemeClr val="accent1"/>
+            </a:fillRef>
+            <a:effectRef idx="0">
+              <a:schemeClr val="accent1"/>
+            </a:effectRef>
+            <a:fontRef idx="minor">
+              <a:schemeClr val="lt1"/>
+            </a:fontRef>
+          </p:style>
+          <p:txBody>
+            <a:bodyPr rtlCol="0" anchor="ctr"/>
+            <a:lstStyle/>
+            <a:p>
+              <a:pPr algn="ctr"/>
+              <a:endParaRPr lang="en-US"/>
+            </a:p>
+          </p:txBody>
+        </p:sp>
+        <p:sp>
+          <p:nvSpPr>
+            <p:cNvPr id="18" name="Rectangle 17"/>
+            <p:cNvSpPr/>
+            <p:nvPr/>
+          </p:nvSpPr>
+          <p:spPr>
+            <a:xfrm>
+              <a:off x="6934200" y="4341815"/>
+              <a:ext cx="870154" cy="801789"/>
+            </a:xfrm>
+            <a:prstGeom prst="rect">
+              <a:avLst/>
+            </a:prstGeom>
+          </p:spPr>
+          <p:style>
+            <a:lnRef idx="2">
+              <a:schemeClr val="accent1">
+                <a:shade val="50000"/>
+              </a:schemeClr>
+            </a:lnRef>
+            <a:fillRef idx="1">
+              <a:schemeClr val="accent1"/>
+            </a:fillRef>
+            <a:effectRef idx="0">
+              <a:schemeClr val="accent1"/>
+            </a:effectRef>
+            <a:fontRef idx="minor">
+              <a:schemeClr val="lt1"/>
+            </a:fontRef>
+          </p:style>
+          <p:txBody>
+            <a:bodyPr rtlCol="0" anchor="ctr"/>
+            <a:lstStyle/>
+            <a:p>
+              <a:pPr algn="ctr"/>
+              <a:endParaRPr lang="en-US"/>
+            </a:p>
+          </p:txBody>
+        </p:sp>
+        <p:sp>
+          <p:nvSpPr>
+            <p:cNvPr id="19" name="Rectangle 18"/>
+            <p:cNvSpPr/>
+            <p:nvPr/>
+          </p:nvSpPr>
+          <p:spPr>
+            <a:xfrm>
+              <a:off x="8126360" y="3417147"/>
+              <a:ext cx="870154" cy="801789"/>
+            </a:xfrm>
+            <a:prstGeom prst="rect">
+              <a:avLst/>
+            </a:prstGeom>
+          </p:spPr>
+          <p:style>
+            <a:lnRef idx="2">
+              <a:schemeClr val="accent1">
+                <a:shade val="50000"/>
+              </a:schemeClr>
+            </a:lnRef>
+            <a:fillRef idx="1">
+              <a:schemeClr val="accent1"/>
+            </a:fillRef>
+            <a:effectRef idx="0">
+              <a:schemeClr val="accent1"/>
+            </a:effectRef>
+            <a:fontRef idx="minor">
+              <a:schemeClr val="lt1"/>
+            </a:fontRef>
+          </p:style>
+          <p:txBody>
+            <a:bodyPr rtlCol="0" anchor="ctr"/>
+            <a:lstStyle/>
+            <a:p>
+              <a:pPr algn="ctr"/>
+              <a:endParaRPr lang="en-US"/>
+            </a:p>
+          </p:txBody>
+        </p:sp>
+        <p:sp>
+          <p:nvSpPr>
+            <p:cNvPr id="20" name="Rectangle 19"/>
+            <p:cNvSpPr/>
+            <p:nvPr/>
+          </p:nvSpPr>
+          <p:spPr>
+            <a:xfrm>
+              <a:off x="9289023" y="3417147"/>
+              <a:ext cx="870154" cy="801789"/>
+            </a:xfrm>
+            <a:prstGeom prst="rect">
+              <a:avLst/>
+            </a:prstGeom>
+          </p:spPr>
+          <p:style>
+            <a:lnRef idx="2">
+              <a:schemeClr val="accent1">
+                <a:shade val="50000"/>
+              </a:schemeClr>
+            </a:lnRef>
+            <a:fillRef idx="1">
+              <a:schemeClr val="accent1"/>
+            </a:fillRef>
+            <a:effectRef idx="0">
+              <a:schemeClr val="accent1"/>
+            </a:effectRef>
+            <a:fontRef idx="minor">
+              <a:schemeClr val="lt1"/>
+            </a:fontRef>
+          </p:style>
+          <p:txBody>
+            <a:bodyPr rtlCol="0" anchor="ctr"/>
+            <a:lstStyle/>
+            <a:p>
+              <a:pPr algn="ctr"/>
+              <a:r>
+                <a:rPr lang="en-US" dirty="0" smtClean="0"/>
+                <a:t>4</a:t>
+              </a:r>
+              <a:endParaRPr lang="en-US" dirty="0"/>
+            </a:p>
+          </p:txBody>
+        </p:sp>
+        <p:sp>
+          <p:nvSpPr>
+            <p:cNvPr id="21" name="Rectangle 20"/>
+            <p:cNvSpPr/>
+            <p:nvPr/>
+          </p:nvSpPr>
+          <p:spPr>
+            <a:xfrm>
+              <a:off x="8126360" y="4341815"/>
+              <a:ext cx="870154" cy="801789"/>
+            </a:xfrm>
+            <a:prstGeom prst="rect">
+              <a:avLst/>
+            </a:prstGeom>
+          </p:spPr>
+          <p:style>
+            <a:lnRef idx="2">
+              <a:schemeClr val="accent1">
+                <a:shade val="50000"/>
+              </a:schemeClr>
+            </a:lnRef>
+            <a:fillRef idx="1">
+              <a:schemeClr val="accent1"/>
+            </a:fillRef>
+            <a:effectRef idx="0">
+              <a:schemeClr val="accent1"/>
+            </a:effectRef>
+            <a:fontRef idx="minor">
+              <a:schemeClr val="lt1"/>
+            </a:fontRef>
+          </p:style>
+          <p:txBody>
+            <a:bodyPr rtlCol="0" anchor="ctr"/>
+            <a:lstStyle/>
+            <a:p>
+              <a:pPr algn="ctr"/>
+              <a:endParaRPr lang="en-US"/>
+            </a:p>
+          </p:txBody>
+        </p:sp>
+        <p:sp>
+          <p:nvSpPr>
+            <p:cNvPr id="22" name="Rectangle 21"/>
+            <p:cNvSpPr/>
+            <p:nvPr/>
+          </p:nvSpPr>
+          <p:spPr>
+            <a:xfrm>
+              <a:off x="9289023" y="4341815"/>
+              <a:ext cx="870154" cy="801789"/>
+            </a:xfrm>
+            <a:prstGeom prst="rect">
+              <a:avLst/>
+            </a:prstGeom>
+          </p:spPr>
+          <p:style>
+            <a:lnRef idx="2">
+              <a:schemeClr val="accent1">
+                <a:shade val="50000"/>
+              </a:schemeClr>
+            </a:lnRef>
+            <a:fillRef idx="1">
+              <a:schemeClr val="accent1"/>
+            </a:fillRef>
+            <a:effectRef idx="0">
+              <a:schemeClr val="accent1"/>
+            </a:effectRef>
+            <a:fontRef idx="minor">
+              <a:schemeClr val="lt1"/>
+            </a:fontRef>
+          </p:style>
+          <p:txBody>
+            <a:bodyPr rtlCol="0" anchor="ctr"/>
+            <a:lstStyle/>
+            <a:p>
+              <a:pPr algn="ctr"/>
+              <a:endParaRPr lang="en-US"/>
+            </a:p>
+          </p:txBody>
+        </p:sp>
+      </p:grpSp>
+      <p:cxnSp>
+        <p:nvCxnSpPr>
+          <p:cNvPr id="26" name="Straight Arrow Connector 25"/>
+          <p:cNvCxnSpPr/>
+          <p:nvPr/>
+        </p:nvCxnSpPr>
+        <p:spPr>
+          <a:xfrm>
+            <a:off x="3672349" y="3479032"/>
+            <a:ext cx="1533832" cy="0"/>
+          </a:xfrm>
+          <a:prstGeom prst="straightConnector1">
+            <a:avLst/>
+          </a:prstGeom>
+          <a:ln>
+            <a:tailEnd type="triangle"/>
+          </a:ln>
+        </p:spPr>
+        <p:style>
+          <a:lnRef idx="1">
+            <a:schemeClr val="accent1"/>
+          </a:lnRef>
+          <a:fillRef idx="0">
+            <a:schemeClr val="accent1"/>
+          </a:fillRef>
+          <a:effectRef idx="0">
+            <a:schemeClr val="accent1"/>
+          </a:effectRef>
+          <a:fontRef idx="minor">
+            <a:schemeClr val="tx1"/>
+          </a:fontRef>
+        </p:style>
+      </p:cxnSp>
+      <p:sp>
+        <p:nvSpPr>
+          <p:cNvPr id="27" name="TextBox 26"/>
+          <p:cNvSpPr txBox="1"/>
+          <p:nvPr/>
+        </p:nvSpPr>
+        <p:spPr>
+          <a:xfrm>
+            <a:off x="3733783" y="3587025"/>
+            <a:ext cx="1410964" cy="369332"/>
+          </a:xfrm>
+          <a:prstGeom prst="rect">
+            <a:avLst/>
+          </a:prstGeom>
+          <a:noFill/>
+        </p:spPr>
+        <p:txBody>
+          <a:bodyPr wrap="none" rtlCol="0">
+            <a:spAutoFit/>
+          </a:bodyPr>
+          <a:lstStyle/>
+          <a:p>
+            <a:r>
+              <a:rPr lang="en-US" dirty="0" smtClean="0"/>
+              <a:t>Interpolation</a:t>
+            </a:r>
+            <a:endParaRPr lang="en-US" dirty="0"/>
+          </a:p>
+        </p:txBody>
+      </p:sp>
+      <p:sp>
+        <p:nvSpPr>
+          <p:cNvPr id="28" name="TextBox 27"/>
+          <p:cNvSpPr txBox="1"/>
+          <p:nvPr/>
+        </p:nvSpPr>
+        <p:spPr>
+          <a:xfrm>
+            <a:off x="5653550" y="5538728"/>
+            <a:ext cx="5209760" cy="1200329"/>
+          </a:xfrm>
+          <a:prstGeom prst="rect">
+            <a:avLst/>
+          </a:prstGeom>
+          <a:noFill/>
+        </p:spPr>
+        <p:txBody>
+          <a:bodyPr wrap="none" rtlCol="0">
+            <a:spAutoFit/>
+          </a:bodyPr>
+          <a:lstStyle/>
+          <a:p>
+            <a:r>
+              <a:rPr lang="en-US" dirty="0" smtClean="0"/>
+              <a:t>Fill empty spots with </a:t>
+            </a:r>
+          </a:p>
+          <a:p>
+            <a:pPr marL="285750" indent="-285750">
+              <a:buFontTx/>
+              <a:buChar char="-"/>
+            </a:pPr>
+            <a:r>
+              <a:rPr lang="en-US" dirty="0" smtClean="0"/>
+              <a:t>Replication of values in surrounding neighborhood</a:t>
+            </a:r>
+          </a:p>
+          <a:p>
+            <a:pPr marL="285750" indent="-285750">
+              <a:buFontTx/>
+              <a:buChar char="-"/>
+            </a:pPr>
+            <a:r>
+              <a:rPr lang="en-US" dirty="0" smtClean="0"/>
+              <a:t>Linear Interpolation</a:t>
+            </a:r>
+          </a:p>
+          <a:p>
+            <a:pPr marL="285750" indent="-285750">
+              <a:buFontTx/>
+              <a:buChar char="-"/>
+            </a:pPr>
+            <a:r>
+              <a:rPr lang="en-US" dirty="0" smtClean="0"/>
+              <a:t>Gaussian Interpolation</a:t>
+            </a:r>
+            <a:endParaRPr lang="en-US" dirty="0"/>
+          </a:p>
+        </p:txBody>
+      </p:sp>
+    </p:spTree>
+    <p:extLst>
+      <p:ext uri="{BB962C8B-B14F-4D97-AF65-F5344CB8AC3E}">
+        <p14:creationId xmlns:p14="http://schemas.microsoft.com/office/powerpoint/2010/main" val="676955330"/>
+      </p:ext>
+    </p:extLst>
+  </p:cSld>
+  <p:clrMapOvr>
+    <a:masterClrMapping/>
+  </p:clrMapOvr>
+</p:sld>
+</file>
+
+<file path=ppt/slides/slide5.xml><?xml version="1.0" encoding="utf-8"?>
 <p:sld xmlns:a="http://schemas.openxmlformats.org/drawingml/2006/main" xmlns:r="http://schemas.openxmlformats.org/officeDocument/2006/relationships" xmlns:p="http://schemas.openxmlformats.org/presentationml/2006/main">
   <p:cSld>
     <p:spTree>
@@ -6390,7 +7421,6 @@
                 <a:rPr lang="en-US" dirty="0"/>
                 <a:t>Calculate OF of new level</a:t>
               </a:r>
-              <a:endParaRPr lang="en-US" dirty="0"/>
             </a:p>
           </p:txBody>
         </p:sp>
